--- a/lectures/Misc-jQuery-JavaScript.pptx
+++ b/lectures/Misc-jQuery-JavaScript.pptx
@@ -203,7 +203,7 @@
           <a:p>
             <a:fld id="{0BF34807-5449-AD40-AC80-FFC1F6E974E2}" type="datetimeFigureOut">
               <a:rPr lang="en-US" smtClean="0"/>
-              <a:t>9/12/23</a:t>
+              <a:t>9/14/23</a:t>
             </a:fld>
             <a:endParaRPr lang="en-US"/>
           </a:p>
@@ -601,7 +601,7 @@
           <a:p>
             <a:fld id="{FA05F5A3-5F79-614E-A502-D4968C7ECDD3}" type="datetimeFigureOut">
               <a:rPr lang="en-US" smtClean="0"/>
-              <a:t>9/12/23</a:t>
+              <a:t>9/14/23</a:t>
             </a:fld>
             <a:endParaRPr lang="en-US"/>
           </a:p>
@@ -771,7 +771,7 @@
           <a:p>
             <a:fld id="{FA05F5A3-5F79-614E-A502-D4968C7ECDD3}" type="datetimeFigureOut">
               <a:rPr lang="en-US" smtClean="0"/>
-              <a:t>9/12/23</a:t>
+              <a:t>9/14/23</a:t>
             </a:fld>
             <a:endParaRPr lang="en-US"/>
           </a:p>
@@ -951,7 +951,7 @@
           <a:p>
             <a:fld id="{FA05F5A3-5F79-614E-A502-D4968C7ECDD3}" type="datetimeFigureOut">
               <a:rPr lang="en-US" smtClean="0"/>
-              <a:t>9/12/23</a:t>
+              <a:t>9/14/23</a:t>
             </a:fld>
             <a:endParaRPr lang="en-US"/>
           </a:p>
@@ -1121,7 +1121,7 @@
           <a:p>
             <a:fld id="{FA05F5A3-5F79-614E-A502-D4968C7ECDD3}" type="datetimeFigureOut">
               <a:rPr lang="en-US" smtClean="0"/>
-              <a:t>9/12/23</a:t>
+              <a:t>9/14/23</a:t>
             </a:fld>
             <a:endParaRPr lang="en-US"/>
           </a:p>
@@ -1367,7 +1367,7 @@
           <a:p>
             <a:fld id="{FA05F5A3-5F79-614E-A502-D4968C7ECDD3}" type="datetimeFigureOut">
               <a:rPr lang="en-US" smtClean="0"/>
-              <a:t>9/12/23</a:t>
+              <a:t>9/14/23</a:t>
             </a:fld>
             <a:endParaRPr lang="en-US"/>
           </a:p>
@@ -1599,7 +1599,7 @@
           <a:p>
             <a:fld id="{FA05F5A3-5F79-614E-A502-D4968C7ECDD3}" type="datetimeFigureOut">
               <a:rPr lang="en-US" smtClean="0"/>
-              <a:t>9/12/23</a:t>
+              <a:t>9/14/23</a:t>
             </a:fld>
             <a:endParaRPr lang="en-US"/>
           </a:p>
@@ -1966,7 +1966,7 @@
           <a:p>
             <a:fld id="{FA05F5A3-5F79-614E-A502-D4968C7ECDD3}" type="datetimeFigureOut">
               <a:rPr lang="en-US" smtClean="0"/>
-              <a:t>9/12/23</a:t>
+              <a:t>9/14/23</a:t>
             </a:fld>
             <a:endParaRPr lang="en-US"/>
           </a:p>
@@ -2084,7 +2084,7 @@
           <a:p>
             <a:fld id="{FA05F5A3-5F79-614E-A502-D4968C7ECDD3}" type="datetimeFigureOut">
               <a:rPr lang="en-US" smtClean="0"/>
-              <a:t>9/12/23</a:t>
+              <a:t>9/14/23</a:t>
             </a:fld>
             <a:endParaRPr lang="en-US"/>
           </a:p>
@@ -2179,7 +2179,7 @@
           <a:p>
             <a:fld id="{FA05F5A3-5F79-614E-A502-D4968C7ECDD3}" type="datetimeFigureOut">
               <a:rPr lang="en-US" smtClean="0"/>
-              <a:t>9/12/23</a:t>
+              <a:t>9/14/23</a:t>
             </a:fld>
             <a:endParaRPr lang="en-US"/>
           </a:p>
@@ -2456,7 +2456,7 @@
           <a:p>
             <a:fld id="{FA05F5A3-5F79-614E-A502-D4968C7ECDD3}" type="datetimeFigureOut">
               <a:rPr lang="en-US" smtClean="0"/>
-              <a:t>9/12/23</a:t>
+              <a:t>9/14/23</a:t>
             </a:fld>
             <a:endParaRPr lang="en-US"/>
           </a:p>
@@ -2713,7 +2713,7 @@
           <a:p>
             <a:fld id="{FA05F5A3-5F79-614E-A502-D4968C7ECDD3}" type="datetimeFigureOut">
               <a:rPr lang="en-US" smtClean="0"/>
-              <a:t>9/12/23</a:t>
+              <a:t>9/14/23</a:t>
             </a:fld>
             <a:endParaRPr lang="en-US"/>
           </a:p>
@@ -2926,7 +2926,7 @@
           <a:p>
             <a:fld id="{FA05F5A3-5F79-614E-A502-D4968C7ECDD3}" type="datetimeFigureOut">
               <a:rPr lang="en-US" smtClean="0"/>
-              <a:t>9/12/23</a:t>
+              <a:t>9/14/23</a:t>
             </a:fld>
             <a:endParaRPr lang="en-US"/>
           </a:p>
